--- a/doc/Презентація.pptx
+++ b/doc/Презентація.pptx
@@ -8,7 +8,10 @@
     <p:sldId id="256" r:id="rId2"/>
     <p:sldId id="258" r:id="rId3"/>
     <p:sldId id="257" r:id="rId4"/>
-    <p:sldId id="259" r:id="rId5"/>
+    <p:sldId id="260" r:id="rId5"/>
+    <p:sldId id="259" r:id="rId6"/>
+    <p:sldId id="261" r:id="rId7"/>
+    <p:sldId id="262" r:id="rId8"/>
   </p:sldIdLst>
   <p:sldSz cx="12192000" cy="6858000"/>
   <p:notesSz cx="6858000" cy="9144000"/>
@@ -2958,6 +2961,17 @@
 <file path=ppt/slides/slide1.xml><?xml version="1.0" encoding="utf-8"?>
 <p:sld xmlns:a="http://schemas.openxmlformats.org/drawingml/2006/main" xmlns:r="http://schemas.openxmlformats.org/officeDocument/2006/relationships" xmlns:p="http://schemas.openxmlformats.org/presentationml/2006/main">
   <p:cSld>
+    <p:bg>
+      <p:bgPr>
+        <a:solidFill>
+          <a:schemeClr val="accent4">
+            <a:lumMod val="60000"/>
+            <a:lumOff val="40000"/>
+          </a:schemeClr>
+        </a:solidFill>
+        <a:effectLst/>
+      </p:bgPr>
+    </p:bg>
     <p:spTree>
       <p:nvGrpSpPr>
         <p:cNvPr id="1" name=""/>
@@ -3047,10 +3061,645 @@
   <p:clrMapOvr>
     <a:masterClrMapping/>
   </p:clrMapOvr>
+  <p:timing>
+    <p:tnLst>
+      <p:par>
+        <p:cTn id="1" dur="indefinite" restart="never" nodeType="tmRoot"/>
+      </p:par>
+    </p:tnLst>
+  </p:timing>
 </p:sld>
 </file>
 
 <file path=ppt/slides/slide2.xml><?xml version="1.0" encoding="utf-8"?>
+<p:sld xmlns:a="http://schemas.openxmlformats.org/drawingml/2006/main" xmlns:r="http://schemas.openxmlformats.org/officeDocument/2006/relationships" xmlns:p="http://schemas.openxmlformats.org/presentationml/2006/main">
+  <p:cSld>
+    <p:bg>
+      <p:bgPr>
+        <a:solidFill>
+          <a:schemeClr val="accent4">
+            <a:lumMod val="60000"/>
+            <a:lumOff val="40000"/>
+          </a:schemeClr>
+        </a:solidFill>
+        <a:effectLst/>
+      </p:bgPr>
+    </p:bg>
+    <p:spTree>
+      <p:nvGrpSpPr>
+        <p:cNvPr id="1" name=""/>
+        <p:cNvGrpSpPr/>
+        <p:nvPr/>
+      </p:nvGrpSpPr>
+      <p:grpSpPr>
+        <a:xfrm>
+          <a:off x="0" y="0"/>
+          <a:ext cx="0" cy="0"/>
+          <a:chOff x="0" y="0"/>
+          <a:chExt cx="0" cy="0"/>
+        </a:xfrm>
+      </p:grpSpPr>
+      <p:sp>
+        <p:nvSpPr>
+          <p:cNvPr id="2" name="Заголовок 1"/>
+          <p:cNvSpPr>
+            <a:spLocks noGrp="1"/>
+          </p:cNvSpPr>
+          <p:nvPr>
+            <p:ph type="title"/>
+          </p:nvPr>
+        </p:nvSpPr>
+        <p:spPr/>
+        <p:txBody>
+          <a:bodyPr/>
+          <a:lstStyle/>
+          <a:p>
+            <a:r>
+              <a:rPr lang="ja-JP" altLang="en-US" dirty="0" smtClean="0"/>
+              <a:t>　</a:t>
+            </a:r>
+            <a:r>
+              <a:rPr lang="uk-UA" altLang="ja-JP" dirty="0" smtClean="0"/>
+              <a:t>Зміст</a:t>
+            </a:r>
+            <a:br>
+              <a:rPr lang="uk-UA" altLang="ja-JP" dirty="0" smtClean="0"/>
+            </a:br>
+            <a:endParaRPr lang="uk-UA" dirty="0"/>
+          </a:p>
+        </p:txBody>
+      </p:sp>
+      <p:sp>
+        <p:nvSpPr>
+          <p:cNvPr id="3" name="Объект 2"/>
+          <p:cNvSpPr>
+            <a:spLocks noGrp="1"/>
+          </p:cNvSpPr>
+          <p:nvPr>
+            <p:ph idx="1"/>
+          </p:nvPr>
+        </p:nvSpPr>
+        <p:spPr/>
+        <p:txBody>
+          <a:bodyPr/>
+          <a:lstStyle/>
+          <a:p>
+            <a:r>
+              <a:rPr lang="uk-UA" dirty="0" smtClean="0"/>
+              <a:t>1. </a:t>
+            </a:r>
+            <a:r>
+              <a:rPr lang="en-US" dirty="0" smtClean="0">
+                <a:solidFill>
+                  <a:srgbClr val="FF0000"/>
+                </a:solidFill>
+              </a:rPr>
+              <a:t>COVID-19</a:t>
+            </a:r>
+            <a:r>
+              <a:rPr lang="en-US" dirty="0" smtClean="0"/>
+              <a:t> </a:t>
+            </a:r>
+            <a:r>
+              <a:rPr lang="uk-UA" dirty="0" smtClean="0"/>
+              <a:t>та пов’язані з ним проблеми. </a:t>
+            </a:r>
+          </a:p>
+          <a:p>
+            <a:r>
+              <a:rPr lang="uk-UA" dirty="0" smtClean="0"/>
+              <a:t>2</a:t>
+            </a:r>
+            <a:r>
+              <a:rPr lang="uk-UA" dirty="0" smtClean="0"/>
+              <a:t>. Як працює цей сайт.</a:t>
+            </a:r>
+            <a:endParaRPr lang="uk-UA" dirty="0" smtClean="0"/>
+          </a:p>
+          <a:p>
+            <a:r>
+              <a:rPr lang="uk-UA" dirty="0" smtClean="0"/>
+              <a:t>3.</a:t>
+            </a:r>
+          </a:p>
+          <a:p>
+            <a:r>
+              <a:rPr lang="uk-UA" dirty="0" smtClean="0"/>
+              <a:t>4.</a:t>
+            </a:r>
+          </a:p>
+          <a:p>
+            <a:r>
+              <a:rPr lang="uk-UA" dirty="0" smtClean="0"/>
+              <a:t>5.</a:t>
+            </a:r>
+          </a:p>
+          <a:p>
+            <a:r>
+              <a:rPr lang="uk-UA" dirty="0" smtClean="0"/>
+              <a:t>6.</a:t>
+            </a:r>
+          </a:p>
+          <a:p>
+            <a:r>
+              <a:rPr lang="uk-UA" dirty="0" smtClean="0"/>
+              <a:t>7.</a:t>
+            </a:r>
+            <a:endParaRPr lang="uk-UA" dirty="0"/>
+          </a:p>
+        </p:txBody>
+      </p:sp>
+    </p:spTree>
+    <p:extLst>
+      <p:ext uri="{BB962C8B-B14F-4D97-AF65-F5344CB8AC3E}">
+        <p14:creationId xmlns:p14="http://schemas.microsoft.com/office/powerpoint/2010/main" val="198641524"/>
+      </p:ext>
+    </p:extLst>
+  </p:cSld>
+  <p:clrMapOvr>
+    <a:masterClrMapping/>
+  </p:clrMapOvr>
+  <p:timing>
+    <p:tnLst>
+      <p:par>
+        <p:cTn id="1" dur="indefinite" restart="never" nodeType="tmRoot"/>
+      </p:par>
+    </p:tnLst>
+  </p:timing>
+</p:sld>
+</file>
+
+<file path=ppt/slides/slide3.xml><?xml version="1.0" encoding="utf-8"?>
+<p:sld xmlns:a="http://schemas.openxmlformats.org/drawingml/2006/main" xmlns:r="http://schemas.openxmlformats.org/officeDocument/2006/relationships" xmlns:p="http://schemas.openxmlformats.org/presentationml/2006/main">
+  <p:cSld>
+    <p:bg>
+      <p:bgPr>
+        <a:solidFill>
+          <a:schemeClr val="accent4">
+            <a:lumMod val="60000"/>
+            <a:lumOff val="40000"/>
+          </a:schemeClr>
+        </a:solidFill>
+        <a:effectLst/>
+      </p:bgPr>
+    </p:bg>
+    <p:spTree>
+      <p:nvGrpSpPr>
+        <p:cNvPr id="1" name=""/>
+        <p:cNvGrpSpPr/>
+        <p:nvPr/>
+      </p:nvGrpSpPr>
+      <p:grpSpPr>
+        <a:xfrm>
+          <a:off x="0" y="0"/>
+          <a:ext cx="0" cy="0"/>
+          <a:chOff x="0" y="0"/>
+          <a:chExt cx="0" cy="0"/>
+        </a:xfrm>
+      </p:grpSpPr>
+      <p:sp>
+        <p:nvSpPr>
+          <p:cNvPr id="2" name="Заголовок 1"/>
+          <p:cNvSpPr>
+            <a:spLocks noGrp="1"/>
+          </p:cNvSpPr>
+          <p:nvPr>
+            <p:ph type="title"/>
+          </p:nvPr>
+        </p:nvSpPr>
+        <p:spPr>
+          <a:xfrm>
+            <a:off x="970936" y="365125"/>
+            <a:ext cx="10515600" cy="1325563"/>
+          </a:xfrm>
+        </p:spPr>
+        <p:txBody>
+          <a:bodyPr/>
+          <a:lstStyle/>
+          <a:p>
+            <a:r>
+              <a:rPr lang="en-US" dirty="0">
+                <a:solidFill>
+                  <a:srgbClr val="FF0000"/>
+                </a:solidFill>
+              </a:rPr>
+              <a:t>COVID-19</a:t>
+            </a:r>
+            <a:r>
+              <a:rPr lang="en-US" dirty="0"/>
+              <a:t> </a:t>
+            </a:r>
+            <a:r>
+              <a:rPr lang="uk-UA" dirty="0"/>
+              <a:t>та пов’язані з ним проблеми.</a:t>
+            </a:r>
+          </a:p>
+        </p:txBody>
+      </p:sp>
+      <p:sp>
+        <p:nvSpPr>
+          <p:cNvPr id="3" name="Объект 2"/>
+          <p:cNvSpPr>
+            <a:spLocks noGrp="1"/>
+          </p:cNvSpPr>
+          <p:nvPr>
+            <p:ph idx="1"/>
+          </p:nvPr>
+        </p:nvSpPr>
+        <p:spPr>
+          <a:noFill/>
+        </p:spPr>
+        <p:txBody>
+          <a:bodyPr/>
+          <a:lstStyle/>
+          <a:p>
+            <a:pPr marL="0" indent="0" algn="ctr">
+              <a:buNone/>
+            </a:pPr>
+            <a:r>
+              <a:rPr lang="uk-UA" dirty="0" smtClean="0"/>
+              <a:t>Із-за проблеми </a:t>
+            </a:r>
+            <a:r>
+              <a:rPr lang="en-US" dirty="0" smtClean="0">
+                <a:solidFill>
+                  <a:srgbClr val="FF0000"/>
+                </a:solidFill>
+              </a:rPr>
+              <a:t>COVID-19</a:t>
+            </a:r>
+            <a:r>
+              <a:rPr lang="en-US" dirty="0" smtClean="0"/>
+              <a:t> </a:t>
+            </a:r>
+            <a:r>
+              <a:rPr lang="uk-UA" dirty="0" smtClean="0"/>
+              <a:t>багато людей, учнів, студентів пішли на карантин а із-за цього постає питання проблеми комунікації. Можливо вчитель захворів і поміняли урок і щоб учні не сиділи </a:t>
+            </a:r>
+            <a:r>
+              <a:rPr lang="uk-UA" dirty="0" smtClean="0"/>
+              <a:t>в очікувані вчителя а інший вчитель не сидів в очікувані учнів. </a:t>
+            </a:r>
+          </a:p>
+          <a:p>
+            <a:pPr marL="0" indent="0" algn="ctr">
+              <a:buNone/>
+            </a:pPr>
+            <a:r>
+              <a:rPr lang="uk-UA" dirty="0" smtClean="0"/>
+              <a:t>Ми створили онлайн розклад який покращує робочий процес на дистанційному навчанні.</a:t>
+            </a:r>
+            <a:endParaRPr lang="uk-UA" dirty="0"/>
+          </a:p>
+        </p:txBody>
+      </p:sp>
+      <p:pic>
+        <p:nvPicPr>
+          <p:cNvPr id="4" name="Рисунок 3"/>
+          <p:cNvPicPr>
+            <a:picLocks noChangeAspect="1"/>
+          </p:cNvPicPr>
+          <p:nvPr/>
+        </p:nvPicPr>
+        <p:blipFill>
+          <a:blip r:embed="rId2"/>
+          <a:stretch>
+            <a:fillRect/>
+          </a:stretch>
+        </p:blipFill>
+        <p:spPr>
+          <a:xfrm>
+            <a:off x="838200" y="3908323"/>
+            <a:ext cx="3257327" cy="2403577"/>
+          </a:xfrm>
+          <a:prstGeom prst="rect">
+            <a:avLst/>
+          </a:prstGeom>
+        </p:spPr>
+      </p:pic>
+      <p:pic>
+        <p:nvPicPr>
+          <p:cNvPr id="5" name="Рисунок 4"/>
+          <p:cNvPicPr>
+            <a:picLocks noChangeAspect="1"/>
+          </p:cNvPicPr>
+          <p:nvPr/>
+        </p:nvPicPr>
+        <p:blipFill>
+          <a:blip r:embed="rId3"/>
+          <a:stretch>
+            <a:fillRect/>
+          </a:stretch>
+        </p:blipFill>
+        <p:spPr>
+          <a:xfrm>
+            <a:off x="8067369" y="3908323"/>
+            <a:ext cx="3286432" cy="2403577"/>
+          </a:xfrm>
+          <a:prstGeom prst="rect">
+            <a:avLst/>
+          </a:prstGeom>
+        </p:spPr>
+      </p:pic>
+    </p:spTree>
+    <p:extLst>
+      <p:ext uri="{BB962C8B-B14F-4D97-AF65-F5344CB8AC3E}">
+        <p14:creationId xmlns:p14="http://schemas.microsoft.com/office/powerpoint/2010/main" val="4246283163"/>
+      </p:ext>
+    </p:extLst>
+  </p:cSld>
+  <p:clrMapOvr>
+    <a:masterClrMapping/>
+  </p:clrMapOvr>
+  <p:timing>
+    <p:tnLst>
+      <p:par>
+        <p:cTn id="1" dur="indefinite" restart="never" nodeType="tmRoot"/>
+      </p:par>
+    </p:tnLst>
+  </p:timing>
+</p:sld>
+</file>
+
+<file path=ppt/slides/slide4.xml><?xml version="1.0" encoding="utf-8"?>
+<p:sld xmlns:a="http://schemas.openxmlformats.org/drawingml/2006/main" xmlns:r="http://schemas.openxmlformats.org/officeDocument/2006/relationships" xmlns:p="http://schemas.openxmlformats.org/presentationml/2006/main">
+  <p:cSld>
+    <p:bg>
+      <p:bgPr>
+        <a:solidFill>
+          <a:schemeClr val="accent4">
+            <a:lumMod val="60000"/>
+            <a:lumOff val="40000"/>
+          </a:schemeClr>
+        </a:solidFill>
+        <a:effectLst/>
+      </p:bgPr>
+    </p:bg>
+    <p:spTree>
+      <p:nvGrpSpPr>
+        <p:cNvPr id="1" name=""/>
+        <p:cNvGrpSpPr/>
+        <p:nvPr/>
+      </p:nvGrpSpPr>
+      <p:grpSpPr>
+        <a:xfrm>
+          <a:off x="0" y="0"/>
+          <a:ext cx="0" cy="0"/>
+          <a:chOff x="0" y="0"/>
+          <a:chExt cx="0" cy="0"/>
+        </a:xfrm>
+      </p:grpSpPr>
+      <p:sp>
+        <p:nvSpPr>
+          <p:cNvPr id="2" name="Заголовок 1"/>
+          <p:cNvSpPr>
+            <a:spLocks noGrp="1"/>
+          </p:cNvSpPr>
+          <p:nvPr>
+            <p:ph type="title"/>
+          </p:nvPr>
+        </p:nvSpPr>
+        <p:spPr/>
+        <p:txBody>
+          <a:bodyPr/>
+          <a:lstStyle/>
+          <a:p>
+            <a:r>
+              <a:rPr lang="uk-UA" dirty="0" smtClean="0"/>
+              <a:t>Чому наш сайт покращує процес навчання </a:t>
+            </a:r>
+            <a:endParaRPr lang="uk-UA" dirty="0"/>
+          </a:p>
+        </p:txBody>
+      </p:sp>
+      <p:sp>
+        <p:nvSpPr>
+          <p:cNvPr id="3" name="Объект 2"/>
+          <p:cNvSpPr>
+            <a:spLocks noGrp="1"/>
+          </p:cNvSpPr>
+          <p:nvPr>
+            <p:ph idx="1"/>
+          </p:nvPr>
+        </p:nvSpPr>
+        <p:spPr/>
+        <p:txBody>
+          <a:bodyPr/>
+          <a:lstStyle/>
+          <a:p>
+            <a:pPr marL="514350" indent="-514350">
+              <a:buFont typeface="+mj-lt"/>
+              <a:buAutoNum type="arabicPeriod"/>
+            </a:pPr>
+            <a:r>
+              <a:rPr lang="uk-UA" dirty="0" smtClean="0"/>
+              <a:t>Тому що всі можуть його бачити.</a:t>
+            </a:r>
+          </a:p>
+          <a:p>
+            <a:pPr marL="514350" indent="-514350">
+              <a:buFont typeface="+mj-lt"/>
+              <a:buAutoNum type="arabicPeriod"/>
+            </a:pPr>
+            <a:r>
+              <a:rPr lang="uk-UA" dirty="0" smtClean="0"/>
+              <a:t>Він практичний.</a:t>
+            </a:r>
+          </a:p>
+          <a:p>
+            <a:pPr marL="514350" indent="-514350">
+              <a:buFont typeface="+mj-lt"/>
+              <a:buAutoNum type="arabicPeriod"/>
+            </a:pPr>
+            <a:r>
+              <a:rPr lang="uk-UA" dirty="0" smtClean="0"/>
+              <a:t>Без реклами.</a:t>
+            </a:r>
+          </a:p>
+          <a:p>
+            <a:pPr marL="514350" indent="-514350">
+              <a:buFont typeface="+mj-lt"/>
+              <a:buAutoNum type="arabicPeriod"/>
+            </a:pPr>
+            <a:r>
+              <a:rPr lang="uk-UA" dirty="0" smtClean="0"/>
+              <a:t>Безкоштовний.</a:t>
+            </a:r>
+          </a:p>
+          <a:p>
+            <a:pPr marL="514350" indent="-514350">
+              <a:buFont typeface="+mj-lt"/>
+              <a:buAutoNum type="arabicPeriod"/>
+            </a:pPr>
+            <a:endParaRPr lang="uk-UA" dirty="0" smtClean="0"/>
+          </a:p>
+        </p:txBody>
+      </p:sp>
+    </p:spTree>
+    <p:extLst>
+      <p:ext uri="{BB962C8B-B14F-4D97-AF65-F5344CB8AC3E}">
+        <p14:creationId xmlns:p14="http://schemas.microsoft.com/office/powerpoint/2010/main" val="70113815"/>
+      </p:ext>
+    </p:extLst>
+  </p:cSld>
+  <p:clrMapOvr>
+    <a:masterClrMapping/>
+  </p:clrMapOvr>
+  <p:timing>
+    <p:tnLst>
+      <p:par>
+        <p:cTn id="1" dur="indefinite" restart="never" nodeType="tmRoot"/>
+      </p:par>
+    </p:tnLst>
+  </p:timing>
+</p:sld>
+</file>
+
+<file path=ppt/slides/slide5.xml><?xml version="1.0" encoding="utf-8"?>
+<p:sld xmlns:a="http://schemas.openxmlformats.org/drawingml/2006/main" xmlns:r="http://schemas.openxmlformats.org/officeDocument/2006/relationships" xmlns:p="http://schemas.openxmlformats.org/presentationml/2006/main">
+  <p:cSld>
+    <p:bg>
+      <p:bgPr>
+        <a:solidFill>
+          <a:schemeClr val="accent4">
+            <a:lumMod val="60000"/>
+            <a:lumOff val="40000"/>
+          </a:schemeClr>
+        </a:solidFill>
+        <a:effectLst/>
+      </p:bgPr>
+    </p:bg>
+    <p:spTree>
+      <p:nvGrpSpPr>
+        <p:cNvPr id="1" name=""/>
+        <p:cNvGrpSpPr/>
+        <p:nvPr/>
+      </p:nvGrpSpPr>
+      <p:grpSpPr>
+        <a:xfrm>
+          <a:off x="0" y="0"/>
+          <a:ext cx="0" cy="0"/>
+          <a:chOff x="0" y="0"/>
+          <a:chExt cx="0" cy="0"/>
+        </a:xfrm>
+      </p:grpSpPr>
+      <p:sp>
+        <p:nvSpPr>
+          <p:cNvPr id="2" name="Заголовок 1"/>
+          <p:cNvSpPr>
+            <a:spLocks noGrp="1"/>
+          </p:cNvSpPr>
+          <p:nvPr>
+            <p:ph type="title"/>
+          </p:nvPr>
+        </p:nvSpPr>
+        <p:spPr/>
+        <p:txBody>
+          <a:bodyPr/>
+          <a:lstStyle/>
+          <a:p>
+            <a:r>
+              <a:rPr lang="uk-UA" dirty="0" smtClean="0"/>
+              <a:t>Як працює цей сайт </a:t>
+            </a:r>
+            <a:endParaRPr lang="uk-UA" dirty="0"/>
+          </a:p>
+        </p:txBody>
+      </p:sp>
+      <p:sp>
+        <p:nvSpPr>
+          <p:cNvPr id="3" name="Объект 2"/>
+          <p:cNvSpPr>
+            <a:spLocks noGrp="1"/>
+          </p:cNvSpPr>
+          <p:nvPr>
+            <p:ph idx="1"/>
+          </p:nvPr>
+        </p:nvSpPr>
+        <p:spPr/>
+        <p:txBody>
+          <a:bodyPr/>
+          <a:lstStyle/>
+          <a:p>
+            <a:pPr marL="514350" indent="-514350">
+              <a:buAutoNum type="arabicPeriod"/>
+            </a:pPr>
+            <a:r>
+              <a:rPr lang="uk-UA" dirty="0" smtClean="0"/>
+              <a:t>Зауч у своїй любимій програмі </a:t>
+            </a:r>
+            <a:r>
+              <a:rPr lang="en-US" dirty="0" smtClean="0"/>
+              <a:t>Excel </a:t>
+            </a:r>
+            <a:r>
+              <a:rPr lang="uk-UA" dirty="0" smtClean="0"/>
+              <a:t>створює розклад.</a:t>
+            </a:r>
+          </a:p>
+          <a:p>
+            <a:pPr marL="514350" indent="-514350">
+              <a:buAutoNum type="arabicPeriod"/>
+            </a:pPr>
+            <a:r>
+              <a:rPr lang="uk-UA" dirty="0" smtClean="0"/>
+              <a:t>Запускає </a:t>
+            </a:r>
+            <a:r>
+              <a:rPr lang="uk-UA" dirty="0" err="1" smtClean="0"/>
+              <a:t>скрипт</a:t>
+            </a:r>
+            <a:r>
+              <a:rPr lang="uk-UA" dirty="0"/>
+              <a:t> </a:t>
+            </a:r>
+            <a:r>
+              <a:rPr lang="uk-UA" dirty="0" smtClean="0"/>
+              <a:t>який загружає розклад на сайт.</a:t>
+            </a:r>
+          </a:p>
+          <a:p>
+            <a:pPr marL="514350" indent="-514350">
+              <a:buAutoNum type="arabicPeriod"/>
+            </a:pPr>
+            <a:r>
+              <a:rPr lang="uk-UA" dirty="0" smtClean="0"/>
+              <a:t>Всі заходять на сайт і дивляться розклад.</a:t>
+            </a:r>
+          </a:p>
+          <a:p>
+            <a:pPr marL="514350" indent="-514350">
+              <a:buAutoNum type="arabicPeriod"/>
+            </a:pPr>
+            <a:r>
+              <a:rPr lang="uk-UA" dirty="0" smtClean="0"/>
+              <a:t>Всі встигають на урок.</a:t>
+            </a:r>
+            <a:endParaRPr lang="uk-UA" dirty="0"/>
+          </a:p>
+        </p:txBody>
+      </p:sp>
+    </p:spTree>
+    <p:extLst>
+      <p:ext uri="{BB962C8B-B14F-4D97-AF65-F5344CB8AC3E}">
+        <p14:creationId xmlns:p14="http://schemas.microsoft.com/office/powerpoint/2010/main" val="212865074"/>
+      </p:ext>
+    </p:extLst>
+  </p:cSld>
+  <p:clrMapOvr>
+    <a:masterClrMapping/>
+  </p:clrMapOvr>
+  <p:timing>
+    <p:tnLst>
+      <p:par>
+        <p:cTn id="1" dur="indefinite" restart="never" nodeType="tmRoot"/>
+      </p:par>
+    </p:tnLst>
+  </p:timing>
+</p:sld>
+</file>
+
+<file path=ppt/slides/slide6.xml><?xml version="1.0" encoding="utf-8"?>
 <p:sld xmlns:a="http://schemas.openxmlformats.org/drawingml/2006/main" xmlns:r="http://schemas.openxmlformats.org/officeDocument/2006/relationships" xmlns:p="http://schemas.openxmlformats.org/presentationml/2006/main">
   <p:cSld>
     <p:spTree>
@@ -3082,17 +3731,6 @@
           <a:bodyPr/>
           <a:lstStyle/>
           <a:p>
-            <a:r>
-              <a:rPr lang="ja-JP" altLang="en-US" dirty="0" smtClean="0"/>
-              <a:t>　</a:t>
-            </a:r>
-            <a:r>
-              <a:rPr lang="uk-UA" altLang="ja-JP" dirty="0" smtClean="0"/>
-              <a:t>Зміст</a:t>
-            </a:r>
-            <a:br>
-              <a:rPr lang="uk-UA" altLang="ja-JP" dirty="0" smtClean="0"/>
-            </a:br>
             <a:endParaRPr lang="uk-UA" dirty="0"/>
           </a:p>
         </p:txBody>
@@ -3112,80 +3750,31 @@
           <a:bodyPr/>
           <a:lstStyle/>
           <a:p>
-            <a:r>
-              <a:rPr lang="uk-UA" dirty="0" smtClean="0"/>
-              <a:t>1. </a:t>
-            </a:r>
-            <a:r>
-              <a:rPr lang="en-US" dirty="0" smtClean="0">
-                <a:solidFill>
-                  <a:srgbClr val="FF0000"/>
-                </a:solidFill>
-              </a:rPr>
-              <a:t>COVID-19</a:t>
-            </a:r>
-            <a:r>
-              <a:rPr lang="en-US" dirty="0" smtClean="0"/>
-              <a:t> </a:t>
-            </a:r>
-            <a:r>
-              <a:rPr lang="uk-UA" dirty="0" smtClean="0"/>
-              <a:t>та пов’язані з ним проблеми. </a:t>
-            </a:r>
-          </a:p>
-          <a:p>
-            <a:r>
-              <a:rPr lang="uk-UA" dirty="0" smtClean="0"/>
-              <a:t>2.</a:t>
-            </a:r>
-          </a:p>
-          <a:p>
-            <a:r>
-              <a:rPr lang="uk-UA" dirty="0" smtClean="0"/>
-              <a:t>3.</a:t>
-            </a:r>
-          </a:p>
-          <a:p>
-            <a:r>
-              <a:rPr lang="uk-UA" dirty="0" smtClean="0"/>
-              <a:t>4.</a:t>
-            </a:r>
-          </a:p>
-          <a:p>
-            <a:r>
-              <a:rPr lang="uk-UA" dirty="0" smtClean="0"/>
-              <a:t>5.</a:t>
-            </a:r>
-          </a:p>
-          <a:p>
-            <a:r>
-              <a:rPr lang="uk-UA" dirty="0" smtClean="0"/>
-              <a:t>6.</a:t>
-            </a:r>
-          </a:p>
-          <a:p>
-            <a:r>
-              <a:rPr lang="uk-UA" dirty="0" smtClean="0"/>
-              <a:t>7.</a:t>
-            </a:r>
-            <a:endParaRPr lang="uk-UA" dirty="0"/>
+            <a:endParaRPr lang="uk-UA"/>
           </a:p>
         </p:txBody>
       </p:sp>
     </p:spTree>
     <p:extLst>
       <p:ext uri="{BB962C8B-B14F-4D97-AF65-F5344CB8AC3E}">
-        <p14:creationId xmlns:p14="http://schemas.microsoft.com/office/powerpoint/2010/main" val="198641524"/>
+        <p14:creationId xmlns:p14="http://schemas.microsoft.com/office/powerpoint/2010/main" val="950623933"/>
       </p:ext>
     </p:extLst>
   </p:cSld>
   <p:clrMapOvr>
     <a:masterClrMapping/>
   </p:clrMapOvr>
+  <p:timing>
+    <p:tnLst>
+      <p:par>
+        <p:cTn id="1" dur="indefinite" restart="never" nodeType="tmRoot"/>
+      </p:par>
+    </p:tnLst>
+  </p:timing>
 </p:sld>
 </file>
 
-<file path=ppt/slides/slide3.xml><?xml version="1.0" encoding="utf-8"?>
+<file path=ppt/slides/slide7.xml><?xml version="1.0" encoding="utf-8"?>
 <p:sld xmlns:a="http://schemas.openxmlformats.org/drawingml/2006/main" xmlns:r="http://schemas.openxmlformats.org/officeDocument/2006/relationships" xmlns:p="http://schemas.openxmlformats.org/presentationml/2006/main">
   <p:cSld>
     <p:spTree>
@@ -3217,22 +3806,6 @@
           <a:bodyPr/>
           <a:lstStyle/>
           <a:p>
-            <a:r>
-              <a:rPr lang="en-US" dirty="0">
-                <a:solidFill>
-                  <a:srgbClr val="FF0000"/>
-                </a:solidFill>
-              </a:rPr>
-              <a:t>COVID-19</a:t>
-            </a:r>
-            <a:r>
-              <a:rPr lang="en-US" dirty="0"/>
-              <a:t> </a:t>
-            </a:r>
-            <a:r>
-              <a:rPr lang="uk-UA" dirty="0"/>
-              <a:t>та пов’язані з ним проблеми.</a:t>
-            </a:r>
             <a:endParaRPr lang="uk-UA" dirty="0"/>
           </a:p>
         </p:txBody>
@@ -3252,130 +3825,27 @@
           <a:bodyPr/>
           <a:lstStyle/>
           <a:p>
-            <a:pPr marL="0" indent="0">
-              <a:buNone/>
-            </a:pPr>
-            <a:r>
-              <a:rPr lang="uk-UA" dirty="0" smtClean="0"/>
-              <a:t>Із-за проблеми </a:t>
-            </a:r>
-            <a:r>
-              <a:rPr lang="en-US" dirty="0" smtClean="0">
-                <a:solidFill>
-                  <a:srgbClr val="FF0000"/>
-                </a:solidFill>
-              </a:rPr>
-              <a:t>COVID-19</a:t>
-            </a:r>
-            <a:r>
-              <a:rPr lang="en-US" dirty="0" smtClean="0"/>
-              <a:t> </a:t>
-            </a:r>
-            <a:r>
-              <a:rPr lang="uk-UA" dirty="0" smtClean="0"/>
-              <a:t>багато людей, учнів, студентів пішли на карантин а із-за того постає питання проблеми комунікації</a:t>
-            </a:r>
-            <a:r>
-              <a:rPr lang="en-US" dirty="0" smtClean="0"/>
-              <a:t>.</a:t>
-            </a:r>
-            <a:r>
-              <a:rPr lang="uk-UA" dirty="0" smtClean="0"/>
-              <a:t> І для того щоб полегшити життя для учнів і студентів ми створили електронний</a:t>
-            </a:r>
-            <a:r>
-              <a:rPr lang="en-US" dirty="0" smtClean="0"/>
-              <a:t> </a:t>
-            </a:r>
-            <a:r>
-              <a:rPr lang="uk-UA" dirty="0" smtClean="0"/>
-              <a:t>розклад який допоможе їм у навчанні.</a:t>
-            </a:r>
-            <a:endParaRPr lang="uk-UA" dirty="0"/>
+            <a:endParaRPr lang="uk-UA"/>
           </a:p>
         </p:txBody>
       </p:sp>
     </p:spTree>
     <p:extLst>
       <p:ext uri="{BB962C8B-B14F-4D97-AF65-F5344CB8AC3E}">
-        <p14:creationId xmlns:p14="http://schemas.microsoft.com/office/powerpoint/2010/main" val="4246283163"/>
+        <p14:creationId xmlns:p14="http://schemas.microsoft.com/office/powerpoint/2010/main" val="1384434981"/>
       </p:ext>
     </p:extLst>
   </p:cSld>
   <p:clrMapOvr>
     <a:masterClrMapping/>
   </p:clrMapOvr>
-</p:sld>
-</file>
-
-<file path=ppt/slides/slide4.xml><?xml version="1.0" encoding="utf-8"?>
-<p:sld xmlns:a="http://schemas.openxmlformats.org/drawingml/2006/main" xmlns:r="http://schemas.openxmlformats.org/officeDocument/2006/relationships" xmlns:p="http://schemas.openxmlformats.org/presentationml/2006/main">
-  <p:cSld>
-    <p:spTree>
-      <p:nvGrpSpPr>
-        <p:cNvPr id="1" name=""/>
-        <p:cNvGrpSpPr/>
-        <p:nvPr/>
-      </p:nvGrpSpPr>
-      <p:grpSpPr>
-        <a:xfrm>
-          <a:off x="0" y="0"/>
-          <a:ext cx="0" cy="0"/>
-          <a:chOff x="0" y="0"/>
-          <a:chExt cx="0" cy="0"/>
-        </a:xfrm>
-      </p:grpSpPr>
-      <p:sp>
-        <p:nvSpPr>
-          <p:cNvPr id="2" name="Заголовок 1"/>
-          <p:cNvSpPr>
-            <a:spLocks noGrp="1"/>
-          </p:cNvSpPr>
-          <p:nvPr>
-            <p:ph type="title"/>
-          </p:nvPr>
-        </p:nvSpPr>
-        <p:spPr/>
-        <p:txBody>
-          <a:bodyPr/>
-          <a:lstStyle/>
-          <a:p>
-            <a:endParaRPr lang="uk-UA" dirty="0"/>
-          </a:p>
-        </p:txBody>
-      </p:sp>
-      <p:sp>
-        <p:nvSpPr>
-          <p:cNvPr id="3" name="Объект 2"/>
-          <p:cNvSpPr>
-            <a:spLocks noGrp="1"/>
-          </p:cNvSpPr>
-          <p:nvPr>
-            <p:ph idx="1"/>
-          </p:nvPr>
-        </p:nvSpPr>
-        <p:spPr/>
-        <p:txBody>
-          <a:bodyPr/>
-          <a:lstStyle/>
-          <a:p>
-            <a:pPr marL="0" indent="0">
-              <a:buNone/>
-            </a:pPr>
-            <a:endParaRPr lang="uk-UA" dirty="0"/>
-          </a:p>
-        </p:txBody>
-      </p:sp>
-    </p:spTree>
-    <p:extLst>
-      <p:ext uri="{BB962C8B-B14F-4D97-AF65-F5344CB8AC3E}">
-        <p14:creationId xmlns:p14="http://schemas.microsoft.com/office/powerpoint/2010/main" val="212865074"/>
-      </p:ext>
-    </p:extLst>
-  </p:cSld>
-  <p:clrMapOvr>
-    <a:masterClrMapping/>
-  </p:clrMapOvr>
+  <p:timing>
+    <p:tnLst>
+      <p:par>
+        <p:cTn id="1" dur="indefinite" restart="never" nodeType="tmRoot"/>
+      </p:par>
+    </p:tnLst>
+  </p:timing>
 </p:sld>
 </file>
 
